--- a/チートシート.pptx
+++ b/チートシート.pptx
@@ -293,7 +293,7 @@
           <a:p>
             <a:fld id="{FEE9ABC2-E918-3948-A09E-DEF029D8A3BE}" type="datetimeFigureOut">
               <a:rPr kumimoji="1" lang="ja-JP" altLang="en-US" smtClean="0"/>
-              <a:t>14/03/07</a:t>
+              <a:t>14/03/09</a:t>
             </a:fld>
             <a:endParaRPr kumimoji="1" lang="ja-JP" altLang="en-US"/>
           </a:p>
@@ -495,7 +495,7 @@
           <a:p>
             <a:fld id="{FEE9ABC2-E918-3948-A09E-DEF029D8A3BE}" type="datetimeFigureOut">
               <a:rPr kumimoji="1" lang="ja-JP" altLang="en-US" smtClean="0"/>
-              <a:t>14/03/07</a:t>
+              <a:t>14/03/09</a:t>
             </a:fld>
             <a:endParaRPr kumimoji="1" lang="ja-JP" altLang="en-US"/>
           </a:p>
@@ -707,7 +707,7 @@
           <a:p>
             <a:fld id="{FEE9ABC2-E918-3948-A09E-DEF029D8A3BE}" type="datetimeFigureOut">
               <a:rPr kumimoji="1" lang="ja-JP" altLang="en-US" smtClean="0"/>
-              <a:t>14/03/07</a:t>
+              <a:t>14/03/09</a:t>
             </a:fld>
             <a:endParaRPr kumimoji="1" lang="ja-JP" altLang="en-US"/>
           </a:p>
@@ -909,7 +909,7 @@
           <a:p>
             <a:fld id="{FEE9ABC2-E918-3948-A09E-DEF029D8A3BE}" type="datetimeFigureOut">
               <a:rPr kumimoji="1" lang="ja-JP" altLang="en-US" smtClean="0"/>
-              <a:t>14/03/07</a:t>
+              <a:t>14/03/09</a:t>
             </a:fld>
             <a:endParaRPr kumimoji="1" lang="ja-JP" altLang="en-US"/>
           </a:p>
@@ -1155,7 +1155,7 @@
           <a:p>
             <a:fld id="{FEE9ABC2-E918-3948-A09E-DEF029D8A3BE}" type="datetimeFigureOut">
               <a:rPr kumimoji="1" lang="ja-JP" altLang="en-US" smtClean="0"/>
-              <a:t>14/03/07</a:t>
+              <a:t>14/03/09</a:t>
             </a:fld>
             <a:endParaRPr kumimoji="1" lang="ja-JP" altLang="en-US"/>
           </a:p>
@@ -1507,7 +1507,7 @@
           <a:p>
             <a:fld id="{FEE9ABC2-E918-3948-A09E-DEF029D8A3BE}" type="datetimeFigureOut">
               <a:rPr kumimoji="1" lang="ja-JP" altLang="en-US" smtClean="0"/>
-              <a:t>14/03/07</a:t>
+              <a:t>14/03/09</a:t>
             </a:fld>
             <a:endParaRPr kumimoji="1" lang="ja-JP" altLang="en-US"/>
           </a:p>
@@ -1993,7 +1993,7 @@
           <a:p>
             <a:fld id="{FEE9ABC2-E918-3948-A09E-DEF029D8A3BE}" type="datetimeFigureOut">
               <a:rPr kumimoji="1" lang="ja-JP" altLang="en-US" smtClean="0"/>
-              <a:t>14/03/07</a:t>
+              <a:t>14/03/09</a:t>
             </a:fld>
             <a:endParaRPr kumimoji="1" lang="ja-JP" altLang="en-US"/>
           </a:p>
@@ -2111,7 +2111,7 @@
           <a:p>
             <a:fld id="{FEE9ABC2-E918-3948-A09E-DEF029D8A3BE}" type="datetimeFigureOut">
               <a:rPr kumimoji="1" lang="ja-JP" altLang="en-US" smtClean="0"/>
-              <a:t>14/03/07</a:t>
+              <a:t>14/03/09</a:t>
             </a:fld>
             <a:endParaRPr kumimoji="1" lang="ja-JP" altLang="en-US"/>
           </a:p>
@@ -2591,7 +2591,7 @@
           <a:p>
             <a:fld id="{FEE9ABC2-E918-3948-A09E-DEF029D8A3BE}" type="datetimeFigureOut">
               <a:rPr kumimoji="1" lang="ja-JP" altLang="en-US" smtClean="0"/>
-              <a:t>14/03/07</a:t>
+              <a:t>14/03/09</a:t>
             </a:fld>
             <a:endParaRPr kumimoji="1" lang="ja-JP" altLang="en-US"/>
           </a:p>
@@ -2844,7 +2844,7 @@
           <a:p>
             <a:fld id="{FEE9ABC2-E918-3948-A09E-DEF029D8A3BE}" type="datetimeFigureOut">
               <a:rPr kumimoji="1" lang="ja-JP" altLang="en-US" smtClean="0"/>
-              <a:t>14/03/07</a:t>
+              <a:t>14/03/09</a:t>
             </a:fld>
             <a:endParaRPr kumimoji="1" lang="ja-JP" altLang="en-US"/>
           </a:p>
@@ -3089,7 +3089,7 @@
           <a:p>
             <a:fld id="{FEE9ABC2-E918-3948-A09E-DEF029D8A3BE}" type="datetimeFigureOut">
               <a:rPr kumimoji="1" lang="ja-JP" altLang="en-US" smtClean="0"/>
-              <a:t>14/03/07</a:t>
+              <a:t>14/03/09</a:t>
             </a:fld>
             <a:endParaRPr kumimoji="1" lang="ja-JP" altLang="en-US"/>
           </a:p>
@@ -4379,7 +4379,7 @@
       </p:sp>
       <p:pic>
         <p:nvPicPr>
-          <p:cNvPr id="4" name="図 3" descr="スクリーンショット 2014-03-07 9.45.51.png"/>
+          <p:cNvPr id="9" name="図 8" descr="スクリーンショット 2014-03-09 5.19.35.png"/>
           <p:cNvPicPr>
             <a:picLocks noChangeAspect="1"/>
           </p:cNvPicPr>
@@ -4399,8 +4399,8 @@
         </p:blipFill>
         <p:spPr>
           <a:xfrm>
-            <a:off x="17395" y="506714"/>
-            <a:ext cx="3919206" cy="2953425"/>
+            <a:off x="0" y="529103"/>
+            <a:ext cx="3412269" cy="3213163"/>
           </a:xfrm>
           <a:prstGeom prst="rect">
             <a:avLst/>
@@ -4409,7 +4409,7 @@
       </p:pic>
       <p:pic>
         <p:nvPicPr>
-          <p:cNvPr id="5" name="図 4" descr="スクリーンショット 2014-03-07 9.45.58.png"/>
+          <p:cNvPr id="10" name="図 9" descr="スクリーンショット 2014-03-09 5.19.42.png"/>
           <p:cNvPicPr>
             <a:picLocks noChangeAspect="1"/>
           </p:cNvPicPr>
@@ -4429,8 +4429,8 @@
         </p:blipFill>
         <p:spPr>
           <a:xfrm>
-            <a:off x="-17394" y="3573165"/>
-            <a:ext cx="3939996" cy="1361663"/>
+            <a:off x="0" y="3649496"/>
+            <a:ext cx="3412269" cy="1635817"/>
           </a:xfrm>
           <a:prstGeom prst="rect">
             <a:avLst/>
@@ -4439,7 +4439,7 @@
       </p:pic>
       <p:pic>
         <p:nvPicPr>
-          <p:cNvPr id="6" name="図 5" descr="スクリーンショット 2014-03-07 9.46.05.png"/>
+          <p:cNvPr id="11" name="図 10" descr="スクリーンショット 2014-03-09 5.19.49.png"/>
           <p:cNvPicPr>
             <a:picLocks noChangeAspect="1"/>
           </p:cNvPicPr>
@@ -4459,8 +4459,8 @@
         </p:blipFill>
         <p:spPr>
           <a:xfrm>
-            <a:off x="17395" y="4934828"/>
-            <a:ext cx="3905207" cy="2916468"/>
+            <a:off x="3415788" y="516403"/>
+            <a:ext cx="3442212" cy="3302000"/>
           </a:xfrm>
           <a:prstGeom prst="rect">
             <a:avLst/>
@@ -4469,7 +4469,7 @@
       </p:pic>
       <p:pic>
         <p:nvPicPr>
-          <p:cNvPr id="7" name="図 6" descr="スクリーンショット 2014-03-07 9.46.10.png"/>
+          <p:cNvPr id="12" name="図 11" descr="スクリーンショット 2014-03-09 5.19.56.png"/>
           <p:cNvPicPr>
             <a:picLocks noChangeAspect="1"/>
           </p:cNvPicPr>
@@ -4489,8 +4489,8 @@
         </p:blipFill>
         <p:spPr>
           <a:xfrm>
-            <a:off x="1" y="7833900"/>
-            <a:ext cx="3848416" cy="1310099"/>
+            <a:off x="3347478" y="3678765"/>
+            <a:ext cx="3500773" cy="1593848"/>
           </a:xfrm>
           <a:prstGeom prst="rect">
             <a:avLst/>
@@ -4499,7 +4499,7 @@
       </p:pic>
       <p:pic>
         <p:nvPicPr>
-          <p:cNvPr id="3" name="図 2" descr="MySQL.png"/>
+          <p:cNvPr id="8" name="図 7" descr="MySQL.png"/>
           <p:cNvPicPr>
             <a:picLocks noChangeAspect="1"/>
           </p:cNvPicPr>
@@ -4518,9 +4518,9 @@
           </a:stretch>
         </p:blipFill>
         <p:spPr>
-          <a:xfrm rot="5400000">
-            <a:off x="2333175" y="1761011"/>
-            <a:ext cx="6040065" cy="3009584"/>
+          <a:xfrm>
+            <a:off x="1435101" y="4927600"/>
+            <a:ext cx="4362498" cy="4013200"/>
           </a:xfrm>
           <a:prstGeom prst="rect">
             <a:avLst/>

--- a/チートシート.pptx
+++ b/チートシート.pptx
@@ -4614,7 +4614,7 @@
         </p:blipFill>
         <p:spPr>
           <a:xfrm>
-            <a:off x="31153" y="5127710"/>
+            <a:off x="12700" y="4859042"/>
             <a:ext cx="3500044" cy="1509470"/>
           </a:xfrm>
           <a:prstGeom prst="rect">
@@ -4624,7 +4624,7 @@
       </p:pic>
       <p:pic>
         <p:nvPicPr>
-          <p:cNvPr id="12" name="図 11" descr="スクリーンショット 2014-03-07 9.49.33.png"/>
+          <p:cNvPr id="14" name="図 13" descr="スクリーンショット 2014-03-07 9.50.58.png"/>
           <p:cNvPicPr>
             <a:picLocks noChangeAspect="1"/>
           </p:cNvPicPr>
@@ -4644,8 +4644,8 @@
         </p:blipFill>
         <p:spPr>
           <a:xfrm>
-            <a:off x="2" y="7544660"/>
-            <a:ext cx="4363874" cy="878583"/>
+            <a:off x="2120581" y="5163938"/>
+            <a:ext cx="4737420" cy="702556"/>
           </a:xfrm>
           <a:prstGeom prst="rect">
             <a:avLst/>
@@ -4654,7 +4654,7 @@
       </p:pic>
       <p:pic>
         <p:nvPicPr>
-          <p:cNvPr id="13" name="図 12" descr="スクリーンショット 2014-03-07 9.50.15.png"/>
+          <p:cNvPr id="15" name="図 14" descr="スクリーンショット 2014-03-07 9.51.58.png"/>
           <p:cNvPicPr>
             <a:picLocks noChangeAspect="1"/>
           </p:cNvPicPr>
@@ -4674,8 +4674,8 @@
         </p:blipFill>
         <p:spPr>
           <a:xfrm>
-            <a:off x="0" y="8423244"/>
-            <a:ext cx="4401507" cy="720756"/>
+            <a:off x="69651" y="647637"/>
+            <a:ext cx="3397799" cy="2274964"/>
           </a:xfrm>
           <a:prstGeom prst="rect">
             <a:avLst/>
@@ -4684,7 +4684,7 @@
       </p:pic>
       <p:pic>
         <p:nvPicPr>
-          <p:cNvPr id="6" name="図 5" descr="DefaultStorage.png"/>
+          <p:cNvPr id="16" name="図 15" descr="スクリーンショット 2014-03-07 9.52.07.png"/>
           <p:cNvPicPr>
             <a:picLocks noChangeAspect="1"/>
           </p:cNvPicPr>
@@ -4704,8 +4704,8 @@
         </p:blipFill>
         <p:spPr>
           <a:xfrm>
-            <a:off x="3985821" y="8067774"/>
-            <a:ext cx="2872180" cy="1076226"/>
+            <a:off x="31152" y="2974789"/>
+            <a:ext cx="3453693" cy="1884253"/>
           </a:xfrm>
           <a:prstGeom prst="rect">
             <a:avLst/>
@@ -4714,7 +4714,7 @@
       </p:pic>
       <p:pic>
         <p:nvPicPr>
-          <p:cNvPr id="14" name="図 13" descr="スクリーンショット 2014-03-07 9.50.58.png"/>
+          <p:cNvPr id="8" name="図 7" descr="TransferOut.png"/>
           <p:cNvPicPr>
             <a:picLocks noChangeAspect="1"/>
           </p:cNvPicPr>
@@ -4733,9 +4733,9 @@
           </a:stretch>
         </p:blipFill>
         <p:spPr>
-          <a:xfrm>
-            <a:off x="2120581" y="5278238"/>
-            <a:ext cx="4737420" cy="702556"/>
+          <a:xfrm rot="5400000">
+            <a:off x="2822394" y="1147686"/>
+            <a:ext cx="4654035" cy="3306012"/>
           </a:xfrm>
           <a:prstGeom prst="rect">
             <a:avLst/>
@@ -4744,7 +4744,7 @@
       </p:pic>
       <p:pic>
         <p:nvPicPr>
-          <p:cNvPr id="15" name="図 14" descr="スクリーンショット 2014-03-07 9.51.58.png"/>
+          <p:cNvPr id="3" name="図 2" descr="Storage.png"/>
           <p:cNvPicPr>
             <a:picLocks noChangeAspect="1"/>
           </p:cNvPicPr>
@@ -4764,8 +4764,8 @@
         </p:blipFill>
         <p:spPr>
           <a:xfrm>
-            <a:off x="69651" y="647637"/>
-            <a:ext cx="3397799" cy="2274964"/>
+            <a:off x="3986457" y="6812120"/>
+            <a:ext cx="2871544" cy="2331880"/>
           </a:xfrm>
           <a:prstGeom prst="rect">
             <a:avLst/>
@@ -4774,7 +4774,7 @@
       </p:pic>
       <p:pic>
         <p:nvPicPr>
-          <p:cNvPr id="16" name="図 15" descr="スクリーンショット 2014-03-07 9.52.07.png"/>
+          <p:cNvPr id="4" name="図 3" descr="スクリーンショット 2014-03-09 5.39.23.png"/>
           <p:cNvPicPr>
             <a:picLocks noChangeAspect="1"/>
           </p:cNvPicPr>
@@ -4794,8 +4794,8 @@
         </p:blipFill>
         <p:spPr>
           <a:xfrm>
-            <a:off x="31152" y="2974789"/>
-            <a:ext cx="3453693" cy="1884253"/>
+            <a:off x="31152" y="6392306"/>
+            <a:ext cx="2959100" cy="350322"/>
           </a:xfrm>
           <a:prstGeom prst="rect">
             <a:avLst/>
@@ -4804,7 +4804,7 @@
       </p:pic>
       <p:pic>
         <p:nvPicPr>
-          <p:cNvPr id="8" name="図 7" descr="TransferOut.png"/>
+          <p:cNvPr id="5" name="図 4" descr="スクリーンショット 2014-03-09 5.39.01.png"/>
           <p:cNvPicPr>
             <a:picLocks noChangeAspect="1"/>
           </p:cNvPicPr>
@@ -4823,9 +4823,129 @@
           </a:stretch>
         </p:blipFill>
         <p:spPr>
-          <a:xfrm rot="5400000">
-            <a:off x="2822394" y="1147686"/>
-            <a:ext cx="4654035" cy="3306012"/>
+          <a:xfrm>
+            <a:off x="-215900" y="6729928"/>
+            <a:ext cx="3353335" cy="562839"/>
+          </a:xfrm>
+          <a:prstGeom prst="rect">
+            <a:avLst/>
+          </a:prstGeom>
+        </p:spPr>
+      </p:pic>
+      <p:pic>
+        <p:nvPicPr>
+          <p:cNvPr id="7" name="図 6" descr="スクリーンショット 2014-03-09 5.39.07.png"/>
+          <p:cNvPicPr>
+            <a:picLocks noChangeAspect="1"/>
+          </p:cNvPicPr>
+          <p:nvPr/>
+        </p:nvPicPr>
+        <p:blipFill>
+          <a:blip r:embed="rId10">
+            <a:extLst>
+              <a:ext uri="{28A0092B-C50C-407E-A947-70E740481C1C}">
+                <a14:useLocalDpi xmlns:a14="http://schemas.microsoft.com/office/drawing/2010/main" val="0"/>
+              </a:ext>
+            </a:extLst>
+          </a:blip>
+          <a:stretch>
+            <a:fillRect/>
+          </a:stretch>
+        </p:blipFill>
+        <p:spPr>
+          <a:xfrm>
+            <a:off x="-12700" y="7280067"/>
+            <a:ext cx="2895600" cy="461246"/>
+          </a:xfrm>
+          <a:prstGeom prst="rect">
+            <a:avLst/>
+          </a:prstGeom>
+        </p:spPr>
+      </p:pic>
+      <p:pic>
+        <p:nvPicPr>
+          <p:cNvPr id="10" name="図 9" descr="スクリーンショット 2014-03-09 5.40.25.png"/>
+          <p:cNvPicPr>
+            <a:picLocks noChangeAspect="1"/>
+          </p:cNvPicPr>
+          <p:nvPr/>
+        </p:nvPicPr>
+        <p:blipFill>
+          <a:blip r:embed="rId11">
+            <a:extLst>
+              <a:ext uri="{28A0092B-C50C-407E-A947-70E740481C1C}">
+                <a14:useLocalDpi xmlns:a14="http://schemas.microsoft.com/office/drawing/2010/main" val="0"/>
+              </a:ext>
+            </a:extLst>
+          </a:blip>
+          <a:stretch>
+            <a:fillRect/>
+          </a:stretch>
+        </p:blipFill>
+        <p:spPr>
+          <a:xfrm>
+            <a:off x="-12700" y="7754013"/>
+            <a:ext cx="1257300" cy="328832"/>
+          </a:xfrm>
+          <a:prstGeom prst="rect">
+            <a:avLst/>
+          </a:prstGeom>
+        </p:spPr>
+      </p:pic>
+      <p:pic>
+        <p:nvPicPr>
+          <p:cNvPr id="11" name="図 10" descr="スクリーンショット 2014-03-09 5.40.29.png"/>
+          <p:cNvPicPr>
+            <a:picLocks noChangeAspect="1"/>
+          </p:cNvPicPr>
+          <p:nvPr/>
+        </p:nvPicPr>
+        <p:blipFill>
+          <a:blip r:embed="rId12">
+            <a:extLst>
+              <a:ext uri="{28A0092B-C50C-407E-A947-70E740481C1C}">
+                <a14:useLocalDpi xmlns:a14="http://schemas.microsoft.com/office/drawing/2010/main" val="0"/>
+              </a:ext>
+            </a:extLst>
+          </a:blip>
+          <a:stretch>
+            <a:fillRect/>
+          </a:stretch>
+        </p:blipFill>
+        <p:spPr>
+          <a:xfrm>
+            <a:off x="63181" y="8032045"/>
+            <a:ext cx="3240540" cy="557327"/>
+          </a:xfrm>
+          <a:prstGeom prst="rect">
+            <a:avLst/>
+          </a:prstGeom>
+        </p:spPr>
+      </p:pic>
+      <p:pic>
+        <p:nvPicPr>
+          <p:cNvPr id="17" name="図 16" descr="スクリーンショット 2014-03-09 5.40.36.png"/>
+          <p:cNvPicPr>
+            <a:picLocks noChangeAspect="1"/>
+          </p:cNvPicPr>
+          <p:nvPr/>
+        </p:nvPicPr>
+        <p:blipFill>
+          <a:blip r:embed="rId13">
+            <a:extLst>
+              <a:ext uri="{28A0092B-C50C-407E-A947-70E740481C1C}">
+                <a14:useLocalDpi xmlns:a14="http://schemas.microsoft.com/office/drawing/2010/main" val="0"/>
+              </a:ext>
+            </a:extLst>
+          </a:blip>
+          <a:stretch>
+            <a:fillRect/>
+          </a:stretch>
+        </p:blipFill>
+        <p:spPr>
+          <a:xfrm>
+            <a:off x="-101601" y="8551272"/>
+            <a:ext cx="3220239" cy="554628"/>
           </a:xfrm>
           <a:prstGeom prst="rect">
             <a:avLst/>
